--- a/slides/plugin online repertorios.pptx
+++ b/slides/plugin online repertorios.pptx
@@ -305,7 +305,7 @@
           <a:p>
             <a:fld id="{96C8091D-939D-4326-A7BC-8F5F854801A3}" type="datetimeFigureOut">
               <a:rPr lang="pt-BR" smtClean="0"/>
-              <a:t>11/02/2017</a:t>
+              <a:t>12/02/2017</a:t>
             </a:fld>
             <a:endParaRPr lang="pt-BR"/>
           </a:p>
@@ -475,7 +475,7 @@
           <a:p>
             <a:fld id="{96C8091D-939D-4326-A7BC-8F5F854801A3}" type="datetimeFigureOut">
               <a:rPr lang="pt-BR" smtClean="0"/>
-              <a:t>11/02/2017</a:t>
+              <a:t>12/02/2017</a:t>
             </a:fld>
             <a:endParaRPr lang="pt-BR"/>
           </a:p>
@@ -655,7 +655,7 @@
           <a:p>
             <a:fld id="{96C8091D-939D-4326-A7BC-8F5F854801A3}" type="datetimeFigureOut">
               <a:rPr lang="pt-BR" smtClean="0"/>
-              <a:t>11/02/2017</a:t>
+              <a:t>12/02/2017</a:t>
             </a:fld>
             <a:endParaRPr lang="pt-BR"/>
           </a:p>
@@ -825,7 +825,7 @@
           <a:p>
             <a:fld id="{96C8091D-939D-4326-A7BC-8F5F854801A3}" type="datetimeFigureOut">
               <a:rPr lang="pt-BR" smtClean="0"/>
-              <a:t>11/02/2017</a:t>
+              <a:t>12/02/2017</a:t>
             </a:fld>
             <a:endParaRPr lang="pt-BR"/>
           </a:p>
@@ -1071,7 +1071,7 @@
           <a:p>
             <a:fld id="{96C8091D-939D-4326-A7BC-8F5F854801A3}" type="datetimeFigureOut">
               <a:rPr lang="pt-BR" smtClean="0"/>
-              <a:t>11/02/2017</a:t>
+              <a:t>12/02/2017</a:t>
             </a:fld>
             <a:endParaRPr lang="pt-BR"/>
           </a:p>
@@ -1359,7 +1359,7 @@
           <a:p>
             <a:fld id="{96C8091D-939D-4326-A7BC-8F5F854801A3}" type="datetimeFigureOut">
               <a:rPr lang="pt-BR" smtClean="0"/>
-              <a:t>11/02/2017</a:t>
+              <a:t>12/02/2017</a:t>
             </a:fld>
             <a:endParaRPr lang="pt-BR"/>
           </a:p>
@@ -1781,7 +1781,7 @@
           <a:p>
             <a:fld id="{96C8091D-939D-4326-A7BC-8F5F854801A3}" type="datetimeFigureOut">
               <a:rPr lang="pt-BR" smtClean="0"/>
-              <a:t>11/02/2017</a:t>
+              <a:t>12/02/2017</a:t>
             </a:fld>
             <a:endParaRPr lang="pt-BR"/>
           </a:p>
@@ -1899,7 +1899,7 @@
           <a:p>
             <a:fld id="{96C8091D-939D-4326-A7BC-8F5F854801A3}" type="datetimeFigureOut">
               <a:rPr lang="pt-BR" smtClean="0"/>
-              <a:t>11/02/2017</a:t>
+              <a:t>12/02/2017</a:t>
             </a:fld>
             <a:endParaRPr lang="pt-BR"/>
           </a:p>
@@ -1994,7 +1994,7 @@
           <a:p>
             <a:fld id="{96C8091D-939D-4326-A7BC-8F5F854801A3}" type="datetimeFigureOut">
               <a:rPr lang="pt-BR" smtClean="0"/>
-              <a:t>11/02/2017</a:t>
+              <a:t>12/02/2017</a:t>
             </a:fld>
             <a:endParaRPr lang="pt-BR"/>
           </a:p>
@@ -2271,7 +2271,7 @@
           <a:p>
             <a:fld id="{96C8091D-939D-4326-A7BC-8F5F854801A3}" type="datetimeFigureOut">
               <a:rPr lang="pt-BR" smtClean="0"/>
-              <a:t>11/02/2017</a:t>
+              <a:t>12/02/2017</a:t>
             </a:fld>
             <a:endParaRPr lang="pt-BR"/>
           </a:p>
@@ -2524,7 +2524,7 @@
           <a:p>
             <a:fld id="{96C8091D-939D-4326-A7BC-8F5F854801A3}" type="datetimeFigureOut">
               <a:rPr lang="pt-BR" smtClean="0"/>
-              <a:t>11/02/2017</a:t>
+              <a:t>12/02/2017</a:t>
             </a:fld>
             <a:endParaRPr lang="pt-BR"/>
           </a:p>
@@ -2737,7 +2737,7 @@
           <a:p>
             <a:fld id="{96C8091D-939D-4326-A7BC-8F5F854801A3}" type="datetimeFigureOut">
               <a:rPr lang="pt-BR" smtClean="0"/>
-              <a:t>11/02/2017</a:t>
+              <a:t>12/02/2017</a:t>
             </a:fld>
             <a:endParaRPr lang="pt-BR"/>
           </a:p>
@@ -3128,8 +3128,12 @@
           <a:lstStyle/>
           <a:p>
             <a:r>
-              <a:rPr lang="pt-BR" smtClean="0"/>
-              <a:t>Plugin Repertórios</a:t>
+              <a:rPr lang="pt-BR" dirty="0" smtClean="0"/>
+              <a:t>Plugin Online </a:t>
+            </a:r>
+            <a:r>
+              <a:rPr lang="pt-BR" dirty="0" smtClean="0"/>
+              <a:t>Repertórios</a:t>
             </a:r>
             <a:endParaRPr lang="pt-BR" dirty="0"/>
           </a:p>
@@ -3169,7 +3173,6 @@
               <a:rPr lang="pt-BR" dirty="0" smtClean="0"/>
               <a:t>Parte3: Criar/Editar Músicas e Repertórios</a:t>
             </a:r>
-            <a:endParaRPr lang="pt-BR" dirty="0" smtClean="0"/>
           </a:p>
           <a:p>
             <a:r>
@@ -3346,7 +3349,6 @@
               <a:rPr lang="pt-BR" dirty="0"/>
               <a:t>Parte2: Instalar Editores</a:t>
             </a:r>
-            <a:endParaRPr lang="pt-BR" dirty="0"/>
           </a:p>
         </p:txBody>
       </p:sp>
@@ -3520,7 +3522,6 @@
               <a:rPr lang="pt-BR" dirty="0"/>
               <a:t>lista_repertorios.json</a:t>
             </a:r>
-            <a:endParaRPr lang="pt-BR" dirty="0"/>
           </a:p>
         </p:txBody>
       </p:sp>
@@ -4285,7 +4286,6 @@
               <a:rPr lang="pt-BR" dirty="0"/>
               <a:t>Parte2: Instalar Editores</a:t>
             </a:r>
-            <a:endParaRPr lang="pt-BR" dirty="0"/>
           </a:p>
         </p:txBody>
       </p:sp>
@@ -4499,7 +4499,6 @@
               <a:rPr lang="pt-BR" dirty="0"/>
               <a:t>Parte2: Instalar Editores</a:t>
             </a:r>
-            <a:endParaRPr lang="pt-BR" dirty="0"/>
           </a:p>
         </p:txBody>
       </p:sp>
@@ -4823,7 +4822,6 @@
               <a:rPr lang="pt-BR" dirty="0"/>
               <a:t>Parte2: Instalar Editores</a:t>
             </a:r>
-            <a:endParaRPr lang="pt-BR" dirty="0"/>
           </a:p>
         </p:txBody>
       </p:sp>
@@ -5219,7 +5217,6 @@
               <a:rPr lang="pt-BR" dirty="0"/>
               <a:t>Parte2: Instalar Editores</a:t>
             </a:r>
-            <a:endParaRPr lang="pt-BR" dirty="0"/>
           </a:p>
         </p:txBody>
       </p:sp>
@@ -5649,7 +5646,6 @@
               <a:rPr lang="pt-BR" dirty="0"/>
               <a:t>Parte2: Instalar Editores</a:t>
             </a:r>
-            <a:endParaRPr lang="pt-BR" dirty="0"/>
           </a:p>
         </p:txBody>
       </p:sp>
@@ -5823,7 +5819,6 @@
               <a:rPr lang="pt-BR" dirty="0"/>
               <a:t>lista_repertorios.json</a:t>
             </a:r>
-            <a:endParaRPr lang="pt-BR" dirty="0"/>
           </a:p>
         </p:txBody>
       </p:sp>
@@ -6180,21 +6175,13 @@
           <a:p>
             <a:r>
               <a:rPr lang="pt-BR" dirty="0" smtClean="0"/>
-              <a:t>Criação/Visualização </a:t>
-            </a:r>
-            <a:r>
-              <a:rPr lang="pt-BR" dirty="0" smtClean="0"/>
-              <a:t>de música e repertório</a:t>
-            </a:r>
-          </a:p>
-          <a:p>
-            <a:r>
-              <a:rPr lang="pt-BR" dirty="0" smtClean="0"/>
-              <a:t>Exportação de conjunto de repertórios para o </a:t>
-            </a:r>
-            <a:r>
-              <a:rPr lang="pt-BR" dirty="0" smtClean="0"/>
-              <a:t>aplicativo</a:t>
+              <a:t>Criação/Visualização de música e repertório</a:t>
+            </a:r>
+          </a:p>
+          <a:p>
+            <a:r>
+              <a:rPr lang="pt-BR" dirty="0" smtClean="0"/>
+              <a:t>Exportação de conjunto de repertórios para o aplicativo</a:t>
             </a:r>
             <a:endParaRPr lang="pt-BR" dirty="0"/>
           </a:p>
@@ -6260,7 +6247,6 @@
               <a:rPr lang="pt-BR" dirty="0"/>
               <a:t>Atualizar conteúdo</a:t>
             </a:r>
-            <a:endParaRPr lang="pt-BR" dirty="0"/>
           </a:p>
         </p:txBody>
       </p:sp>
@@ -6408,7 +6394,6 @@
               <a:rPr lang="pt-BR" dirty="0"/>
               <a:t>Parte1: instalar</a:t>
             </a:r>
-            <a:endParaRPr lang="pt-BR" dirty="0"/>
           </a:p>
         </p:txBody>
       </p:sp>
@@ -6500,7 +6485,6 @@
               <a:rPr lang="pt-BR" dirty="0"/>
               <a:t>Parte2: Instalar Editores</a:t>
             </a:r>
-            <a:endParaRPr lang="pt-BR" dirty="0"/>
           </a:p>
         </p:txBody>
       </p:sp>
@@ -6517,38 +6501,45 @@
         <p:spPr/>
         <p:txBody>
           <a:bodyPr>
-            <a:normAutofit/>
+            <a:normAutofit fontScale="92500" lnSpcReduction="10000"/>
           </a:bodyPr>
           <a:lstStyle/>
           <a:p>
             <a:r>
               <a:rPr lang="pt-BR" dirty="0" smtClean="0"/>
-              <a:t>A </a:t>
-            </a:r>
-            <a:r>
-              <a:rPr lang="pt-BR" dirty="0" smtClean="0"/>
-              <a:t>quem é indicado o acesso ao sistema</a:t>
-            </a:r>
-          </a:p>
-          <a:p>
-            <a:r>
-              <a:rPr lang="pt-BR" dirty="0" smtClean="0"/>
-              <a:t>Na Internet </a:t>
-            </a:r>
-            <a:r>
-              <a:rPr lang="pt-BR" dirty="0" smtClean="0"/>
-              <a:t>(controle </a:t>
-            </a:r>
-            <a:r>
-              <a:rPr lang="pt-BR" dirty="0" smtClean="0"/>
-              <a:t>de login pelo google)</a:t>
+              <a:t>A quem é indicado o acesso ao sistema</a:t>
+            </a:r>
+          </a:p>
+          <a:p>
+            <a:r>
+              <a:rPr lang="pt-BR" dirty="0" smtClean="0"/>
+              <a:t>Na Internet (controle de login pelo google)</a:t>
             </a:r>
           </a:p>
           <a:p>
             <a:pPr lvl="1"/>
             <a:r>
               <a:rPr lang="pt-BR" dirty="0" smtClean="0"/>
-              <a:t>Configuração de login na API do google</a:t>
+              <a:t>Configuração de login na API do </a:t>
+            </a:r>
+            <a:r>
+              <a:rPr lang="pt-BR" dirty="0"/>
+              <a:t>google</a:t>
+            </a:r>
+            <a:br>
+              <a:rPr lang="pt-BR" dirty="0"/>
+            </a:br>
+            <a:r>
+              <a:rPr lang="pt-BR" dirty="0">
+                <a:hlinkClick r:id="rId2"/>
+              </a:rPr>
+              <a:t>https://</a:t>
+            </a:r>
+            <a:r>
+              <a:rPr lang="pt-BR" dirty="0" smtClean="0">
+                <a:hlinkClick r:id="rId2"/>
+              </a:rPr>
+              <a:t>console.developers.google.com</a:t>
             </a:r>
             <a:endParaRPr lang="pt-BR" dirty="0"/>
           </a:p>
@@ -6573,12 +6564,45 @@
             <a:pPr lvl="1"/>
             <a:r>
               <a:rPr lang="pt-BR" dirty="0" smtClean="0"/>
-              <a:t>Instalação do editor fora da internet (</a:t>
-            </a:r>
-            <a:r>
-              <a:rPr lang="pt-BR" dirty="0" smtClean="0"/>
-              <a:t>XAMPP)</a:t>
-            </a:r>
+              <a:t>Instalação do editor fora da internet (XAMPP</a:t>
+            </a:r>
+            <a:r>
+              <a:rPr lang="pt-BR" dirty="0" smtClean="0"/>
+              <a:t>)</a:t>
+            </a:r>
+            <a:endParaRPr lang="pt-BR" dirty="0"/>
+          </a:p>
+          <a:p>
+            <a:pPr marL="0" indent="0">
+              <a:buNone/>
+            </a:pPr>
+            <a:endParaRPr lang="pt-BR" sz="2800" dirty="0" smtClean="0">
+              <a:hlinkClick r:id="rId3"/>
+            </a:endParaRPr>
+          </a:p>
+          <a:p>
+            <a:pPr marL="0" indent="0">
+              <a:buNone/>
+            </a:pPr>
+            <a:r>
+              <a:rPr lang="pt-BR" sz="2800" dirty="0" smtClean="0">
+                <a:hlinkClick r:id="rId3"/>
+              </a:rPr>
+              <a:t>https</a:t>
+            </a:r>
+            <a:r>
+              <a:rPr lang="pt-BR" sz="2800" dirty="0">
+                <a:hlinkClick r:id="rId3"/>
+              </a:rPr>
+              <a:t>://</a:t>
+            </a:r>
+            <a:r>
+              <a:rPr lang="pt-BR" sz="2800" dirty="0" smtClean="0">
+                <a:hlinkClick r:id="rId3"/>
+              </a:rPr>
+              <a:t>www.apachefriends.org/pt_br/index.html</a:t>
+            </a:r>
+            <a:endParaRPr lang="pt-BR" sz="2800" dirty="0" smtClean="0"/>
           </a:p>
         </p:txBody>
       </p:sp>
@@ -6740,7 +6764,6 @@
               <a:rPr lang="pt-BR" dirty="0"/>
               <a:t>Parte2: Instalar Editores</a:t>
             </a:r>
-            <a:endParaRPr lang="pt-BR" dirty="0"/>
           </a:p>
         </p:txBody>
       </p:sp>
@@ -7109,7 +7132,6 @@
               <a:rPr lang="pt-BR" dirty="0"/>
               <a:t>Parte2: Instalar Editores</a:t>
             </a:r>
-            <a:endParaRPr lang="pt-BR" dirty="0"/>
           </a:p>
         </p:txBody>
       </p:sp>
@@ -7625,7 +7647,6 @@
               <a:rPr lang="pt-BR" dirty="0"/>
               <a:t>Parte2: Instalar Editores</a:t>
             </a:r>
-            <a:endParaRPr lang="pt-BR" dirty="0"/>
           </a:p>
         </p:txBody>
       </p:sp>
@@ -8253,7 +8274,6 @@
               <a:rPr lang="pt-BR" dirty="0"/>
               <a:t>Parte2: Instalar Editores</a:t>
             </a:r>
-            <a:endParaRPr lang="pt-BR" dirty="0"/>
           </a:p>
         </p:txBody>
       </p:sp>
@@ -8993,7 +9013,6 @@
               <a:rPr lang="pt-BR" dirty="0"/>
               <a:t>Parte2: Instalar Editores</a:t>
             </a:r>
-            <a:endParaRPr lang="pt-BR" dirty="0"/>
           </a:p>
         </p:txBody>
       </p:sp>
@@ -9845,7 +9864,6 @@
               <a:rPr lang="pt-BR" dirty="0"/>
               <a:t>Parte2: Instalar Editores</a:t>
             </a:r>
-            <a:endParaRPr lang="pt-BR" dirty="0"/>
           </a:p>
         </p:txBody>
       </p:sp>
